--- a/计算机图形学/thin_plate_spline/imgs/test.pptx
+++ b/计算机图形学/thin_plate_spline/imgs/test.pptx
@@ -6,6 +6,9 @@
   </p:sldMasterIdLst>
   <p:sldIdLst>
     <p:sldId id="256" r:id="rId2"/>
+    <p:sldId id="257" r:id="rId3"/>
+    <p:sldId id="260" r:id="rId4"/>
+    <p:sldId id="261" r:id="rId5"/>
   </p:sldIdLst>
   <p:sldSz cx="12192000" cy="6858000"/>
   <p:notesSz cx="6858000" cy="9144000"/>
@@ -104,6 +107,11 @@
       </a:defRPr>
     </a:lvl9pPr>
   </p:defaultTextStyle>
+  <p:extLst>
+    <p:ext uri="{EFAFB233-063F-42B5-8137-9DF3F51BA10A}">
+      <p15:sldGuideLst xmlns:p15="http://schemas.microsoft.com/office/powerpoint/2012/main"/>
+    </p:ext>
+  </p:extLst>
 </p:presentation>
 </file>
 
@@ -3487,6 +3495,782 @@
 </p:sld>
 </file>
 
+<file path=ppt/slides/slide2.xml><?xml version="1.0" encoding="utf-8"?>
+<p:sld xmlns:a="http://schemas.openxmlformats.org/drawingml/2006/main" xmlns:r="http://schemas.openxmlformats.org/officeDocument/2006/relationships" xmlns:p="http://schemas.openxmlformats.org/presentationml/2006/main">
+  <p:cSld>
+    <p:spTree>
+      <p:nvGrpSpPr>
+        <p:cNvPr id="1" name=""/>
+        <p:cNvGrpSpPr/>
+        <p:nvPr/>
+      </p:nvGrpSpPr>
+      <p:grpSpPr>
+        <a:xfrm>
+          <a:off x="0" y="0"/>
+          <a:ext cx="0" cy="0"/>
+          <a:chOff x="0" y="0"/>
+          <a:chExt cx="0" cy="0"/>
+        </a:xfrm>
+      </p:grpSpPr>
+      <p:grpSp>
+        <p:nvGrpSpPr>
+          <p:cNvPr id="22" name="组合 21">
+            <a:extLst>
+              <a:ext uri="{FF2B5EF4-FFF2-40B4-BE49-F238E27FC236}">
+                <a16:creationId xmlns:a16="http://schemas.microsoft.com/office/drawing/2014/main" id="{846050E9-8B67-40AD-8BC0-CC937D50E147}"/>
+              </a:ext>
+            </a:extLst>
+          </p:cNvPr>
+          <p:cNvGrpSpPr/>
+          <p:nvPr/>
+        </p:nvGrpSpPr>
+        <p:grpSpPr>
+          <a:xfrm>
+            <a:off x="2149827" y="643467"/>
+            <a:ext cx="7590987" cy="5699945"/>
+            <a:chOff x="2149827" y="643467"/>
+            <a:chExt cx="7590987" cy="5699945"/>
+          </a:xfrm>
+        </p:grpSpPr>
+        <p:pic>
+          <p:nvPicPr>
+            <p:cNvPr id="3" name="图片 2">
+              <a:extLst>
+                <a:ext uri="{FF2B5EF4-FFF2-40B4-BE49-F238E27FC236}">
+                  <a16:creationId xmlns:a16="http://schemas.microsoft.com/office/drawing/2014/main" id="{A8F31B76-8597-4144-A919-71F68A01655A}"/>
+                </a:ext>
+              </a:extLst>
+            </p:cNvPr>
+            <p:cNvPicPr>
+              <a:picLocks noChangeAspect="1"/>
+            </p:cNvPicPr>
+            <p:nvPr/>
+          </p:nvPicPr>
+          <p:blipFill>
+            <a:blip r:embed="rId3">
+              <a:extLst>
+                <a:ext uri="{28A0092B-C50C-407E-A947-70E740481C1C}">
+                  <a14:useLocalDpi xmlns:a14="http://schemas.microsoft.com/office/drawing/2010/main" val="0"/>
+                </a:ext>
+              </a:extLst>
+            </a:blip>
+            <a:stretch>
+              <a:fillRect/>
+            </a:stretch>
+          </p:blipFill>
+          <p:spPr>
+            <a:xfrm>
+              <a:off x="2149827" y="643467"/>
+              <a:ext cx="7590987" cy="5206118"/>
+            </a:xfrm>
+            <a:prstGeom prst="rect">
+              <a:avLst/>
+            </a:prstGeom>
+          </p:spPr>
+        </p:pic>
+        <p:sp>
+          <p:nvSpPr>
+            <p:cNvPr id="4" name="椭圆 3">
+              <a:extLst>
+                <a:ext uri="{FF2B5EF4-FFF2-40B4-BE49-F238E27FC236}">
+                  <a16:creationId xmlns:a16="http://schemas.microsoft.com/office/drawing/2014/main" id="{F78F0B49-A283-4F61-8C95-25229FC21FF9}"/>
+                </a:ext>
+              </a:extLst>
+            </p:cNvPr>
+            <p:cNvSpPr/>
+            <p:nvPr/>
+          </p:nvSpPr>
+          <p:spPr>
+            <a:xfrm>
+              <a:off x="3200400" y="4107180"/>
+              <a:ext cx="114300" cy="106680"/>
+            </a:xfrm>
+            <a:prstGeom prst="ellipse">
+              <a:avLst/>
+            </a:prstGeom>
+          </p:spPr>
+          <p:style>
+            <a:lnRef idx="2">
+              <a:schemeClr val="accent1">
+                <a:shade val="50000"/>
+              </a:schemeClr>
+            </a:lnRef>
+            <a:fillRef idx="1">
+              <a:schemeClr val="accent1"/>
+            </a:fillRef>
+            <a:effectRef idx="0">
+              <a:schemeClr val="accent1"/>
+            </a:effectRef>
+            <a:fontRef idx="minor">
+              <a:schemeClr val="lt1"/>
+            </a:fontRef>
+          </p:style>
+          <p:txBody>
+            <a:bodyPr rtlCol="0" anchor="ctr"/>
+            <a:lstStyle/>
+            <a:p>
+              <a:pPr algn="ctr"/>
+              <a:endParaRPr lang="zh-CN" altLang="en-US"/>
+            </a:p>
+          </p:txBody>
+        </p:sp>
+        <p:sp>
+          <p:nvSpPr>
+            <p:cNvPr id="5" name="椭圆 4">
+              <a:extLst>
+                <a:ext uri="{FF2B5EF4-FFF2-40B4-BE49-F238E27FC236}">
+                  <a16:creationId xmlns:a16="http://schemas.microsoft.com/office/drawing/2014/main" id="{99F51B01-2B8C-4240-8B8C-C48ABA55383A}"/>
+                </a:ext>
+              </a:extLst>
+            </p:cNvPr>
+            <p:cNvSpPr/>
+            <p:nvPr/>
+          </p:nvSpPr>
+          <p:spPr>
+            <a:xfrm>
+              <a:off x="6896100" y="3482340"/>
+              <a:ext cx="114300" cy="106680"/>
+            </a:xfrm>
+            <a:prstGeom prst="ellipse">
+              <a:avLst/>
+            </a:prstGeom>
+          </p:spPr>
+          <p:style>
+            <a:lnRef idx="2">
+              <a:schemeClr val="accent1">
+                <a:shade val="50000"/>
+              </a:schemeClr>
+            </a:lnRef>
+            <a:fillRef idx="1">
+              <a:schemeClr val="accent1"/>
+            </a:fillRef>
+            <a:effectRef idx="0">
+              <a:schemeClr val="accent1"/>
+            </a:effectRef>
+            <a:fontRef idx="minor">
+              <a:schemeClr val="lt1"/>
+            </a:fontRef>
+          </p:style>
+          <p:txBody>
+            <a:bodyPr rtlCol="0" anchor="ctr"/>
+            <a:lstStyle/>
+            <a:p>
+              <a:pPr algn="ctr"/>
+              <a:endParaRPr lang="zh-CN" altLang="en-US"/>
+            </a:p>
+          </p:txBody>
+        </p:sp>
+        <p:sp>
+          <p:nvSpPr>
+            <p:cNvPr id="6" name="椭圆 5">
+              <a:extLst>
+                <a:ext uri="{FF2B5EF4-FFF2-40B4-BE49-F238E27FC236}">
+                  <a16:creationId xmlns:a16="http://schemas.microsoft.com/office/drawing/2014/main" id="{5999D6FA-EC61-49C1-A13C-32789D5E9310}"/>
+                </a:ext>
+              </a:extLst>
+            </p:cNvPr>
+            <p:cNvSpPr/>
+            <p:nvPr/>
+          </p:nvSpPr>
+          <p:spPr>
+            <a:xfrm>
+              <a:off x="3314700" y="3787140"/>
+              <a:ext cx="114300" cy="106680"/>
+            </a:xfrm>
+            <a:prstGeom prst="ellipse">
+              <a:avLst/>
+            </a:prstGeom>
+            <a:solidFill>
+              <a:srgbClr val="FF0000"/>
+            </a:solidFill>
+            <a:ln>
+              <a:solidFill>
+                <a:srgbClr val="FF0000"/>
+              </a:solidFill>
+            </a:ln>
+          </p:spPr>
+          <p:style>
+            <a:lnRef idx="2">
+              <a:schemeClr val="accent1">
+                <a:shade val="50000"/>
+              </a:schemeClr>
+            </a:lnRef>
+            <a:fillRef idx="1">
+              <a:schemeClr val="accent1"/>
+            </a:fillRef>
+            <a:effectRef idx="0">
+              <a:schemeClr val="accent1"/>
+            </a:effectRef>
+            <a:fontRef idx="minor">
+              <a:schemeClr val="lt1"/>
+            </a:fontRef>
+          </p:style>
+          <p:txBody>
+            <a:bodyPr rtlCol="0" anchor="ctr"/>
+            <a:lstStyle/>
+            <a:p>
+              <a:pPr algn="ctr"/>
+              <a:endParaRPr lang="zh-CN" altLang="en-US"/>
+            </a:p>
+          </p:txBody>
+        </p:sp>
+        <p:sp>
+          <p:nvSpPr>
+            <p:cNvPr id="7" name="椭圆 6">
+              <a:extLst>
+                <a:ext uri="{FF2B5EF4-FFF2-40B4-BE49-F238E27FC236}">
+                  <a16:creationId xmlns:a16="http://schemas.microsoft.com/office/drawing/2014/main" id="{1B457482-0613-45F8-8C86-8D58C884C8F0}"/>
+                </a:ext>
+              </a:extLst>
+            </p:cNvPr>
+            <p:cNvSpPr/>
+            <p:nvPr/>
+          </p:nvSpPr>
+          <p:spPr>
+            <a:xfrm>
+              <a:off x="7109460" y="3246526"/>
+              <a:ext cx="114300" cy="106680"/>
+            </a:xfrm>
+            <a:prstGeom prst="ellipse">
+              <a:avLst/>
+            </a:prstGeom>
+            <a:solidFill>
+              <a:srgbClr val="FF0000"/>
+            </a:solidFill>
+            <a:ln>
+              <a:solidFill>
+                <a:srgbClr val="FF0000"/>
+              </a:solidFill>
+            </a:ln>
+          </p:spPr>
+          <p:style>
+            <a:lnRef idx="2">
+              <a:schemeClr val="accent1">
+                <a:shade val="50000"/>
+              </a:schemeClr>
+            </a:lnRef>
+            <a:fillRef idx="1">
+              <a:schemeClr val="accent1"/>
+            </a:fillRef>
+            <a:effectRef idx="0">
+              <a:schemeClr val="accent1"/>
+            </a:effectRef>
+            <a:fontRef idx="minor">
+              <a:schemeClr val="lt1"/>
+            </a:fontRef>
+          </p:style>
+          <p:txBody>
+            <a:bodyPr rtlCol="0" anchor="ctr"/>
+            <a:lstStyle/>
+            <a:p>
+              <a:pPr algn="ctr"/>
+              <a:endParaRPr lang="zh-CN" altLang="en-US"/>
+            </a:p>
+          </p:txBody>
+        </p:sp>
+        <p:sp>
+          <p:nvSpPr>
+            <p:cNvPr id="8" name="文本框 7">
+              <a:extLst>
+                <a:ext uri="{FF2B5EF4-FFF2-40B4-BE49-F238E27FC236}">
+                  <a16:creationId xmlns:a16="http://schemas.microsoft.com/office/drawing/2014/main" id="{3EA68B34-E220-4E82-B398-FA0995C69B4C}"/>
+                </a:ext>
+              </a:extLst>
+            </p:cNvPr>
+            <p:cNvSpPr txBox="1"/>
+            <p:nvPr/>
+          </p:nvSpPr>
+          <p:spPr>
+            <a:xfrm>
+              <a:off x="3615690" y="5974080"/>
+              <a:ext cx="918210" cy="369332"/>
+            </a:xfrm>
+            <a:prstGeom prst="rect">
+              <a:avLst/>
+            </a:prstGeom>
+            <a:noFill/>
+          </p:spPr>
+          <p:txBody>
+            <a:bodyPr wrap="square" rtlCol="0">
+              <a:spAutoFit/>
+            </a:bodyPr>
+            <a:lstStyle/>
+            <a:p>
+              <a:r>
+                <a:rPr lang="en-US" altLang="zh-CN" dirty="0"/>
+                <a:t>before</a:t>
+              </a:r>
+              <a:endParaRPr lang="zh-CN" altLang="en-US" dirty="0"/>
+            </a:p>
+          </p:txBody>
+        </p:sp>
+        <p:sp>
+          <p:nvSpPr>
+            <p:cNvPr id="18" name="文本框 17">
+              <a:extLst>
+                <a:ext uri="{FF2B5EF4-FFF2-40B4-BE49-F238E27FC236}">
+                  <a16:creationId xmlns:a16="http://schemas.microsoft.com/office/drawing/2014/main" id="{3A015757-084E-4538-A6A1-4699094C74B2}"/>
+                </a:ext>
+              </a:extLst>
+            </p:cNvPr>
+            <p:cNvSpPr txBox="1"/>
+            <p:nvPr/>
+          </p:nvSpPr>
+          <p:spPr>
+            <a:xfrm>
+              <a:off x="7658102" y="5974080"/>
+              <a:ext cx="918210" cy="369332"/>
+            </a:xfrm>
+            <a:prstGeom prst="rect">
+              <a:avLst/>
+            </a:prstGeom>
+            <a:noFill/>
+          </p:spPr>
+          <p:txBody>
+            <a:bodyPr wrap="square" rtlCol="0">
+              <a:spAutoFit/>
+            </a:bodyPr>
+            <a:lstStyle/>
+            <a:p>
+              <a:r>
+                <a:rPr lang="en-US" altLang="zh-CN" dirty="0"/>
+                <a:t>after</a:t>
+              </a:r>
+              <a:endParaRPr lang="zh-CN" altLang="en-US" dirty="0"/>
+            </a:p>
+          </p:txBody>
+        </p:sp>
+        <p:graphicFrame>
+          <p:nvGraphicFramePr>
+            <p:cNvPr id="19" name="对象 18">
+              <a:extLst>
+                <a:ext uri="{FF2B5EF4-FFF2-40B4-BE49-F238E27FC236}">
+                  <a16:creationId xmlns:a16="http://schemas.microsoft.com/office/drawing/2014/main" id="{41F2BE12-ACA6-4B0B-80BE-DF8D1D19A7DB}"/>
+                </a:ext>
+              </a:extLst>
+            </p:cNvPr>
+            <p:cNvGraphicFramePr>
+              <a:graphicFrameLocks noChangeAspect="1"/>
+            </p:cNvGraphicFramePr>
+            <p:nvPr>
+              <p:extLst>
+                <p:ext uri="{D42A27DB-BD31-4B8C-83A1-F6EECF244321}">
+                  <p14:modId xmlns:p14="http://schemas.microsoft.com/office/powerpoint/2010/main" val="1337007398"/>
+                </p:ext>
+              </p:extLst>
+            </p:nvPr>
+          </p:nvGraphicFramePr>
+          <p:xfrm>
+            <a:off x="2727705" y="3426680"/>
+            <a:ext cx="945389" cy="324679"/>
+          </p:xfrm>
+          <a:graphic>
+            <a:graphicData uri="http://schemas.openxmlformats.org/presentationml/2006/ole">
+              <mc:AlternateContent xmlns:mc="http://schemas.openxmlformats.org/markup-compatibility/2006">
+                <mc:Choice xmlns:v="urn:schemas-microsoft-com:vml" Requires="v">
+                  <p:oleObj spid="_x0000_s1036" name="AxMath" r:id="rId4" imgW="629280" imgH="215640" progId="Equation.AxMath">
+                    <p:embed/>
+                  </p:oleObj>
+                </mc:Choice>
+                <mc:Fallback>
+                  <p:oleObj name="AxMath" r:id="rId4" imgW="629280" imgH="215640" progId="Equation.AxMath">
+                    <p:embed/>
+                    <p:pic>
+                      <p:nvPicPr>
+                        <p:cNvPr id="0" name=""/>
+                        <p:cNvPicPr/>
+                        <p:nvPr/>
+                      </p:nvPicPr>
+                      <p:blipFill>
+                        <a:blip r:embed="rId5"/>
+                        <a:stretch>
+                          <a:fillRect/>
+                        </a:stretch>
+                      </p:blipFill>
+                      <p:spPr>
+                        <a:xfrm>
+                          <a:off x="2727705" y="3426680"/>
+                          <a:ext cx="945389" cy="324679"/>
+                        </a:xfrm>
+                        <a:prstGeom prst="rect">
+                          <a:avLst/>
+                        </a:prstGeom>
+                      </p:spPr>
+                    </p:pic>
+                  </p:oleObj>
+                </mc:Fallback>
+              </mc:AlternateContent>
+            </a:graphicData>
+          </a:graphic>
+        </p:graphicFrame>
+        <p:graphicFrame>
+          <p:nvGraphicFramePr>
+            <p:cNvPr id="21" name="对象 20">
+              <a:extLst>
+                <a:ext uri="{FF2B5EF4-FFF2-40B4-BE49-F238E27FC236}">
+                  <a16:creationId xmlns:a16="http://schemas.microsoft.com/office/drawing/2014/main" id="{633EF51B-FD30-42DF-9947-ACA43237BD1F}"/>
+                </a:ext>
+              </a:extLst>
+            </p:cNvPr>
+            <p:cNvGraphicFramePr>
+              <a:graphicFrameLocks noChangeAspect="1"/>
+            </p:cNvGraphicFramePr>
+            <p:nvPr>
+              <p:extLst>
+                <p:ext uri="{D42A27DB-BD31-4B8C-83A1-F6EECF244321}">
+                  <p14:modId xmlns:p14="http://schemas.microsoft.com/office/powerpoint/2010/main" val="1992464211"/>
+                </p:ext>
+              </p:extLst>
+            </p:nvPr>
+          </p:nvGraphicFramePr>
+          <p:xfrm>
+            <a:off x="6048375" y="2898775"/>
+            <a:ext cx="1808163" cy="285750"/>
+          </p:xfrm>
+          <a:graphic>
+            <a:graphicData uri="http://schemas.openxmlformats.org/presentationml/2006/ole">
+              <mc:AlternateContent xmlns:mc="http://schemas.openxmlformats.org/markup-compatibility/2006">
+                <mc:Choice xmlns:v="urn:schemas-microsoft-com:vml" Requires="v">
+                  <p:oleObj spid="_x0000_s1037" name="AxMath" r:id="rId6" imgW="1374120" imgH="215640" progId="Equation.AxMath">
+                    <p:embed/>
+                  </p:oleObj>
+                </mc:Choice>
+                <mc:Fallback>
+                  <p:oleObj name="AxMath" r:id="rId6" imgW="1374120" imgH="215640" progId="Equation.AxMath">
+                    <p:embed/>
+                    <p:pic>
+                      <p:nvPicPr>
+                        <p:cNvPr id="19" name="对象 18">
+                          <a:extLst>
+                            <a:ext uri="{FF2B5EF4-FFF2-40B4-BE49-F238E27FC236}">
+                              <a16:creationId xmlns:a16="http://schemas.microsoft.com/office/drawing/2014/main" id="{41F2BE12-ACA6-4B0B-80BE-DF8D1D19A7DB}"/>
+                            </a:ext>
+                          </a:extLst>
+                        </p:cNvPr>
+                        <p:cNvPicPr/>
+                        <p:nvPr/>
+                      </p:nvPicPr>
+                      <p:blipFill>
+                        <a:blip r:embed="rId7"/>
+                        <a:stretch>
+                          <a:fillRect/>
+                        </a:stretch>
+                      </p:blipFill>
+                      <p:spPr>
+                        <a:xfrm>
+                          <a:off x="6048375" y="2898775"/>
+                          <a:ext cx="1808163" cy="285750"/>
+                        </a:xfrm>
+                        <a:prstGeom prst="rect">
+                          <a:avLst/>
+                        </a:prstGeom>
+                      </p:spPr>
+                    </p:pic>
+                  </p:oleObj>
+                </mc:Fallback>
+              </mc:AlternateContent>
+            </a:graphicData>
+          </a:graphic>
+        </p:graphicFrame>
+      </p:grpSp>
+    </p:spTree>
+    <p:extLst>
+      <p:ext uri="{BB962C8B-B14F-4D97-AF65-F5344CB8AC3E}">
+        <p14:creationId xmlns:p14="http://schemas.microsoft.com/office/powerpoint/2010/main" val="3071930784"/>
+      </p:ext>
+    </p:extLst>
+  </p:cSld>
+  <p:clrMapOvr>
+    <a:masterClrMapping/>
+  </p:clrMapOvr>
+</p:sld>
+</file>
+
+<file path=ppt/slides/slide3.xml><?xml version="1.0" encoding="utf-8"?>
+<p:sld xmlns:a="http://schemas.openxmlformats.org/drawingml/2006/main" xmlns:r="http://schemas.openxmlformats.org/officeDocument/2006/relationships" xmlns:p="http://schemas.openxmlformats.org/presentationml/2006/main">
+  <p:cSld>
+    <p:spTree>
+      <p:nvGrpSpPr>
+        <p:cNvPr id="1" name=""/>
+        <p:cNvGrpSpPr/>
+        <p:nvPr/>
+      </p:nvGrpSpPr>
+      <p:grpSpPr>
+        <a:xfrm>
+          <a:off x="0" y="0"/>
+          <a:ext cx="0" cy="0"/>
+          <a:chOff x="0" y="0"/>
+          <a:chExt cx="0" cy="0"/>
+        </a:xfrm>
+      </p:grpSpPr>
+      <p:grpSp>
+        <p:nvGrpSpPr>
+          <p:cNvPr id="11" name="组合 10">
+            <a:extLst>
+              <a:ext uri="{FF2B5EF4-FFF2-40B4-BE49-F238E27FC236}">
+                <a16:creationId xmlns:a16="http://schemas.microsoft.com/office/drawing/2014/main" id="{05ED2AFB-762C-4AEB-AC46-DB2DBEFCCBD9}"/>
+              </a:ext>
+            </a:extLst>
+          </p:cNvPr>
+          <p:cNvGrpSpPr/>
+          <p:nvPr/>
+        </p:nvGrpSpPr>
+        <p:grpSpPr>
+          <a:xfrm>
+            <a:off x="-1676952" y="1436190"/>
+            <a:ext cx="13640029" cy="2969867"/>
+            <a:chOff x="-1676952" y="1436190"/>
+            <a:chExt cx="13640029" cy="2969867"/>
+          </a:xfrm>
+        </p:grpSpPr>
+        <p:pic>
+          <p:nvPicPr>
+            <p:cNvPr id="3" name="图片 2">
+              <a:extLst>
+                <a:ext uri="{FF2B5EF4-FFF2-40B4-BE49-F238E27FC236}">
+                  <a16:creationId xmlns:a16="http://schemas.microsoft.com/office/drawing/2014/main" id="{A1526199-09F9-4D59-B06C-C99E761A0843}"/>
+                </a:ext>
+              </a:extLst>
+            </p:cNvPr>
+            <p:cNvPicPr>
+              <a:picLocks noChangeAspect="1"/>
+            </p:cNvPicPr>
+            <p:nvPr/>
+          </p:nvPicPr>
+          <p:blipFill>
+            <a:blip r:embed="rId3">
+              <a:extLst>
+                <a:ext uri="{28A0092B-C50C-407E-A947-70E740481C1C}">
+                  <a14:useLocalDpi xmlns:a14="http://schemas.microsoft.com/office/drawing/2010/main" val="0"/>
+                </a:ext>
+              </a:extLst>
+            </a:blip>
+            <a:stretch>
+              <a:fillRect/>
+            </a:stretch>
+          </p:blipFill>
+          <p:spPr>
+            <a:xfrm>
+              <a:off x="-1676952" y="1436190"/>
+              <a:ext cx="6487700" cy="2761905"/>
+            </a:xfrm>
+            <a:prstGeom prst="rect">
+              <a:avLst/>
+            </a:prstGeom>
+          </p:spPr>
+        </p:pic>
+        <p:pic>
+          <p:nvPicPr>
+            <p:cNvPr id="5" name="图片 4">
+              <a:extLst>
+                <a:ext uri="{FF2B5EF4-FFF2-40B4-BE49-F238E27FC236}">
+                  <a16:creationId xmlns:a16="http://schemas.microsoft.com/office/drawing/2014/main" id="{974606DC-CECC-40CE-864B-F71D84D42E98}"/>
+                </a:ext>
+              </a:extLst>
+            </p:cNvPr>
+            <p:cNvPicPr>
+              <a:picLocks noChangeAspect="1"/>
+            </p:cNvPicPr>
+            <p:nvPr/>
+          </p:nvPicPr>
+          <p:blipFill>
+            <a:blip r:embed="rId4">
+              <a:extLst>
+                <a:ext uri="{28A0092B-C50C-407E-A947-70E740481C1C}">
+                  <a14:useLocalDpi xmlns:a14="http://schemas.microsoft.com/office/drawing/2010/main" val="0"/>
+                </a:ext>
+              </a:extLst>
+            </a:blip>
+            <a:stretch>
+              <a:fillRect/>
+            </a:stretch>
+          </p:blipFill>
+          <p:spPr>
+            <a:xfrm>
+              <a:off x="5488478" y="1436190"/>
+              <a:ext cx="6474599" cy="2761905"/>
+            </a:xfrm>
+            <a:prstGeom prst="rect">
+              <a:avLst/>
+            </a:prstGeom>
+          </p:spPr>
+        </p:pic>
+        <p:graphicFrame>
+          <p:nvGraphicFramePr>
+            <p:cNvPr id="8" name="对象 7">
+              <a:extLst>
+                <a:ext uri="{FF2B5EF4-FFF2-40B4-BE49-F238E27FC236}">
+                  <a16:creationId xmlns:a16="http://schemas.microsoft.com/office/drawing/2014/main" id="{ED6D3E68-AB8C-4856-B3D1-829BD1DFCBE2}"/>
+                </a:ext>
+              </a:extLst>
+            </p:cNvPr>
+            <p:cNvGraphicFramePr>
+              <a:graphicFrameLocks noChangeAspect="1"/>
+            </p:cNvGraphicFramePr>
+            <p:nvPr>
+              <p:extLst>
+                <p:ext uri="{D42A27DB-BD31-4B8C-83A1-F6EECF244321}">
+                  <p14:modId xmlns:p14="http://schemas.microsoft.com/office/powerpoint/2010/main" val="2270280136"/>
+                </p:ext>
+              </p:extLst>
+            </p:nvPr>
+          </p:nvGraphicFramePr>
+          <p:xfrm>
+            <a:off x="1566898" y="3990132"/>
+            <a:ext cx="527050" cy="415925"/>
+          </p:xfrm>
+          <a:graphic>
+            <a:graphicData uri="http://schemas.openxmlformats.org/presentationml/2006/ole">
+              <mc:AlternateContent xmlns:mc="http://schemas.openxmlformats.org/markup-compatibility/2006">
+                <mc:Choice xmlns:v="urn:schemas-microsoft-com:vml" Requires="v">
+                  <p:oleObj spid="_x0000_s2052" name="AxMath" r:id="rId5" imgW="263880" imgH="207360" progId="Equation.AxMath">
+                    <p:embed/>
+                  </p:oleObj>
+                </mc:Choice>
+                <mc:Fallback>
+                  <p:oleObj name="AxMath" r:id="rId5" imgW="263880" imgH="207360" progId="Equation.AxMath">
+                    <p:embed/>
+                    <p:pic>
+                      <p:nvPicPr>
+                        <p:cNvPr id="0" name=""/>
+                        <p:cNvPicPr/>
+                        <p:nvPr/>
+                      </p:nvPicPr>
+                      <p:blipFill>
+                        <a:blip r:embed="rId6"/>
+                        <a:stretch>
+                          <a:fillRect/>
+                        </a:stretch>
+                      </p:blipFill>
+                      <p:spPr>
+                        <a:xfrm>
+                          <a:off x="1566898" y="3990132"/>
+                          <a:ext cx="527050" cy="415925"/>
+                        </a:xfrm>
+                        <a:prstGeom prst="rect">
+                          <a:avLst/>
+                        </a:prstGeom>
+                      </p:spPr>
+                    </p:pic>
+                  </p:oleObj>
+                </mc:Fallback>
+              </mc:AlternateContent>
+            </a:graphicData>
+          </a:graphic>
+        </p:graphicFrame>
+        <p:graphicFrame>
+          <p:nvGraphicFramePr>
+            <p:cNvPr id="10" name="对象 9">
+              <a:extLst>
+                <a:ext uri="{FF2B5EF4-FFF2-40B4-BE49-F238E27FC236}">
+                  <a16:creationId xmlns:a16="http://schemas.microsoft.com/office/drawing/2014/main" id="{E44A7EE7-C972-4D20-86F0-91FFD2245A92}"/>
+                </a:ext>
+              </a:extLst>
+            </p:cNvPr>
+            <p:cNvGraphicFramePr>
+              <a:graphicFrameLocks noChangeAspect="1"/>
+            </p:cNvGraphicFramePr>
+            <p:nvPr>
+              <p:extLst>
+                <p:ext uri="{D42A27DB-BD31-4B8C-83A1-F6EECF244321}">
+                  <p14:modId xmlns:p14="http://schemas.microsoft.com/office/powerpoint/2010/main" val="4182448587"/>
+                </p:ext>
+              </p:extLst>
+            </p:nvPr>
+          </p:nvGraphicFramePr>
+          <p:xfrm>
+            <a:off x="8896350" y="3989388"/>
+            <a:ext cx="533400" cy="415925"/>
+          </p:xfrm>
+          <a:graphic>
+            <a:graphicData uri="http://schemas.openxmlformats.org/presentationml/2006/ole">
+              <mc:AlternateContent xmlns:mc="http://schemas.openxmlformats.org/markup-compatibility/2006">
+                <mc:Choice xmlns:v="urn:schemas-microsoft-com:vml" Requires="v">
+                  <p:oleObj spid="_x0000_s2053" name="AxMath" r:id="rId7" imgW="266760" imgH="207360" progId="Equation.AxMath">
+                    <p:embed/>
+                  </p:oleObj>
+                </mc:Choice>
+                <mc:Fallback>
+                  <p:oleObj name="AxMath" r:id="rId7" imgW="266760" imgH="207360" progId="Equation.AxMath">
+                    <p:embed/>
+                    <p:pic>
+                      <p:nvPicPr>
+                        <p:cNvPr id="8" name="对象 7">
+                          <a:extLst>
+                            <a:ext uri="{FF2B5EF4-FFF2-40B4-BE49-F238E27FC236}">
+                              <a16:creationId xmlns:a16="http://schemas.microsoft.com/office/drawing/2014/main" id="{ED6D3E68-AB8C-4856-B3D1-829BD1DFCBE2}"/>
+                            </a:ext>
+                          </a:extLst>
+                        </p:cNvPr>
+                        <p:cNvPicPr/>
+                        <p:nvPr/>
+                      </p:nvPicPr>
+                      <p:blipFill>
+                        <a:blip r:embed="rId8"/>
+                        <a:stretch>
+                          <a:fillRect/>
+                        </a:stretch>
+                      </p:blipFill>
+                      <p:spPr>
+                        <a:xfrm>
+                          <a:off x="8896350" y="3989388"/>
+                          <a:ext cx="533400" cy="415925"/>
+                        </a:xfrm>
+                        <a:prstGeom prst="rect">
+                          <a:avLst/>
+                        </a:prstGeom>
+                      </p:spPr>
+                    </p:pic>
+                  </p:oleObj>
+                </mc:Fallback>
+              </mc:AlternateContent>
+            </a:graphicData>
+          </a:graphic>
+        </p:graphicFrame>
+      </p:grpSp>
+    </p:spTree>
+    <p:extLst>
+      <p:ext uri="{BB962C8B-B14F-4D97-AF65-F5344CB8AC3E}">
+        <p14:creationId xmlns:p14="http://schemas.microsoft.com/office/powerpoint/2010/main" val="1206819997"/>
+      </p:ext>
+    </p:extLst>
+  </p:cSld>
+  <p:clrMapOvr>
+    <a:masterClrMapping/>
+  </p:clrMapOvr>
+</p:sld>
+</file>
+
+<file path=ppt/slides/slide4.xml><?xml version="1.0" encoding="utf-8"?>
+<p:sld xmlns:a="http://schemas.openxmlformats.org/drawingml/2006/main" xmlns:r="http://schemas.openxmlformats.org/officeDocument/2006/relationships" xmlns:p="http://schemas.openxmlformats.org/presentationml/2006/main">
+  <p:cSld>
+    <p:spTree>
+      <p:nvGrpSpPr>
+        <p:cNvPr id="1" name=""/>
+        <p:cNvGrpSpPr/>
+        <p:nvPr/>
+      </p:nvGrpSpPr>
+      <p:grpSpPr>
+        <a:xfrm>
+          <a:off x="0" y="0"/>
+          <a:ext cx="0" cy="0"/>
+          <a:chOff x="0" y="0"/>
+          <a:chExt cx="0" cy="0"/>
+        </a:xfrm>
+      </p:grpSpPr>
+    </p:spTree>
+    <p:extLst>
+      <p:ext uri="{BB962C8B-B14F-4D97-AF65-F5344CB8AC3E}">
+        <p14:creationId xmlns:p14="http://schemas.microsoft.com/office/powerpoint/2010/main" val="2771637907"/>
+      </p:ext>
+    </p:extLst>
+  </p:cSld>
+  <p:clrMapOvr>
+    <a:masterClrMapping/>
+  </p:clrMapOvr>
+</p:sld>
+</file>
+
 <file path=ppt/theme/theme1.xml><?xml version="1.0" encoding="utf-8"?>
 <a:theme xmlns:a="http://schemas.openxmlformats.org/drawingml/2006/main" name="Office 主题​​">
   <a:themeElements>
